--- a/ui_design.pptx
+++ b/ui_design.pptx
@@ -2,12 +2,12 @@
 <file path=ppt/presentation.xml><?xml version="1.0" encoding="utf-8"?>
 <p:presentation xmlns:a="http://schemas.openxmlformats.org/drawingml/2006/main" xmlns:r="http://schemas.openxmlformats.org/officeDocument/2006/relationships" xmlns:p="http://schemas.openxmlformats.org/presentationml/2006/main" saveSubsetFonts="1">
   <p:sldMasterIdLst>
-    <p:sldMasterId id="2147483660" r:id="rId1"/>
+    <p:sldMasterId id="2147483684" r:id="rId1"/>
   </p:sldMasterIdLst>
   <p:sldIdLst>
     <p:sldId id="256" r:id="rId2"/>
   </p:sldIdLst>
-  <p:sldSz cx="1143000" cy="1143000"/>
+  <p:sldSz cx="1295400" cy="1295400"/>
   <p:notesSz cx="6858000" cy="9144000"/>
   <p:defaultTextStyle>
     <a:defPPr>
@@ -107,12 +107,12 @@
   <p:extLst>
     <p:ext uri="{EFAFB233-063F-42B5-8137-9DF3F51BA10A}">
       <p15:sldGuideLst xmlns:p15="http://schemas.microsoft.com/office/powerpoint/2012/main">
-        <p15:guide id="1" orient="horz" pos="360" userDrawn="1">
+        <p15:guide id="1" orient="horz" pos="408" userDrawn="1">
           <p15:clr>
             <a:srgbClr val="A4A3A4"/>
           </p15:clr>
         </p15:guide>
-        <p15:guide id="2" pos="360" userDrawn="1">
+        <p15:guide id="2" pos="408" userDrawn="1">
           <p15:clr>
             <a:srgbClr val="A4A3A4"/>
           </p15:clr>
@@ -152,15 +152,15 @@
         </p:nvSpPr>
         <p:spPr>
           <a:xfrm>
-            <a:off x="85725" y="187061"/>
-            <a:ext cx="971550" cy="397933"/>
+            <a:off x="97155" y="212002"/>
+            <a:ext cx="1101090" cy="450991"/>
           </a:xfrm>
         </p:spPr>
         <p:txBody>
           <a:bodyPr anchor="b"/>
           <a:lstStyle>
             <a:lvl1pPr algn="ctr">
-              <a:defRPr sz="750"/>
+              <a:defRPr sz="850"/>
             </a:lvl1pPr>
           </a:lstStyle>
           <a:p>
@@ -184,8 +184,8 @@
         </p:nvSpPr>
         <p:spPr>
           <a:xfrm>
-            <a:off x="142875" y="600340"/>
-            <a:ext cx="857250" cy="275960"/>
+            <a:off x="161925" y="680385"/>
+            <a:ext cx="971550" cy="312755"/>
           </a:xfrm>
         </p:spPr>
         <p:txBody>
@@ -193,39 +193,39 @@
           <a:lstStyle>
             <a:lvl1pPr marL="0" indent="0" algn="ctr">
               <a:buNone/>
-              <a:defRPr sz="300"/>
+              <a:defRPr sz="340"/>
             </a:lvl1pPr>
-            <a:lvl2pPr marL="57150" indent="0" algn="ctr">
-              <a:buNone/>
-              <a:defRPr sz="250"/>
+            <a:lvl2pPr marL="64785" indent="0" algn="ctr">
+              <a:buNone/>
+              <a:defRPr sz="283"/>
             </a:lvl2pPr>
-            <a:lvl3pPr marL="114300" indent="0" algn="ctr">
-              <a:buNone/>
-              <a:defRPr sz="225"/>
+            <a:lvl3pPr marL="129570" indent="0" algn="ctr">
+              <a:buNone/>
+              <a:defRPr sz="255"/>
             </a:lvl3pPr>
-            <a:lvl4pPr marL="171450" indent="0" algn="ctr">
-              <a:buNone/>
-              <a:defRPr sz="200"/>
+            <a:lvl4pPr marL="194356" indent="0" algn="ctr">
+              <a:buNone/>
+              <a:defRPr sz="227"/>
             </a:lvl4pPr>
-            <a:lvl5pPr marL="228600" indent="0" algn="ctr">
-              <a:buNone/>
-              <a:defRPr sz="200"/>
+            <a:lvl5pPr marL="259141" indent="0" algn="ctr">
+              <a:buNone/>
+              <a:defRPr sz="227"/>
             </a:lvl5pPr>
-            <a:lvl6pPr marL="285750" indent="0" algn="ctr">
-              <a:buNone/>
-              <a:defRPr sz="200"/>
+            <a:lvl6pPr marL="323926" indent="0" algn="ctr">
+              <a:buNone/>
+              <a:defRPr sz="227"/>
             </a:lvl6pPr>
-            <a:lvl7pPr marL="342900" indent="0" algn="ctr">
-              <a:buNone/>
-              <a:defRPr sz="200"/>
+            <a:lvl7pPr marL="388711" indent="0" algn="ctr">
+              <a:buNone/>
+              <a:defRPr sz="227"/>
             </a:lvl7pPr>
-            <a:lvl8pPr marL="400050" indent="0" algn="ctr">
-              <a:buNone/>
-              <a:defRPr sz="200"/>
+            <a:lvl8pPr marL="453497" indent="0" algn="ctr">
+              <a:buNone/>
+              <a:defRPr sz="227"/>
             </a:lvl8pPr>
-            <a:lvl9pPr marL="457200" indent="0" algn="ctr">
-              <a:buNone/>
-              <a:defRPr sz="200"/>
+            <a:lvl9pPr marL="518282" indent="0" algn="ctr">
+              <a:buNone/>
+              <a:defRPr sz="227"/>
             </a:lvl9pPr>
           </a:lstStyle>
           <a:p>
@@ -254,7 +254,7 @@
           <a:p>
             <a:fld id="{A7E2B480-DDEB-45A6-BEAE-41996D0421DE}" type="datetimeFigureOut">
               <a:rPr lang="en-US" smtClean="0"/>
-              <a:t>8/3/2022</a:t>
+              <a:t>8/4/2022</a:t>
             </a:fld>
             <a:endParaRPr lang="en-US"/>
           </a:p>
@@ -305,7 +305,7 @@
     </p:spTree>
     <p:extLst>
       <p:ext uri="{BB962C8B-B14F-4D97-AF65-F5344CB8AC3E}">
-        <p14:creationId xmlns:p14="http://schemas.microsoft.com/office/powerpoint/2010/main" val="3398742209"/>
+        <p14:creationId xmlns:p14="http://schemas.microsoft.com/office/powerpoint/2010/main" val="2388065023"/>
       </p:ext>
     </p:extLst>
   </p:cSld>
@@ -424,7 +424,7 @@
           <a:p>
             <a:fld id="{A7E2B480-DDEB-45A6-BEAE-41996D0421DE}" type="datetimeFigureOut">
               <a:rPr lang="en-US" smtClean="0"/>
-              <a:t>8/3/2022</a:t>
+              <a:t>8/4/2022</a:t>
             </a:fld>
             <a:endParaRPr lang="en-US"/>
           </a:p>
@@ -475,7 +475,7 @@
     </p:spTree>
     <p:extLst>
       <p:ext uri="{BB962C8B-B14F-4D97-AF65-F5344CB8AC3E}">
-        <p14:creationId xmlns:p14="http://schemas.microsoft.com/office/powerpoint/2010/main" val="1860672594"/>
+        <p14:creationId xmlns:p14="http://schemas.microsoft.com/office/powerpoint/2010/main" val="2679382326"/>
       </p:ext>
     </p:extLst>
   </p:cSld>
@@ -514,8 +514,8 @@
         </p:nvSpPr>
         <p:spPr>
           <a:xfrm>
-            <a:off x="817960" y="60854"/>
-            <a:ext cx="246459" cy="968640"/>
+            <a:off x="927021" y="68968"/>
+            <a:ext cx="279321" cy="1097792"/>
           </a:xfrm>
         </p:spPr>
         <p:txBody>
@@ -542,8 +542,8 @@
         </p:nvSpPr>
         <p:spPr>
           <a:xfrm>
-            <a:off x="78581" y="60854"/>
-            <a:ext cx="725091" cy="968640"/>
+            <a:off x="89059" y="68968"/>
+            <a:ext cx="821769" cy="1097792"/>
           </a:xfrm>
         </p:spPr>
         <p:txBody>
@@ -604,7 +604,7 @@
           <a:p>
             <a:fld id="{A7E2B480-DDEB-45A6-BEAE-41996D0421DE}" type="datetimeFigureOut">
               <a:rPr lang="en-US" smtClean="0"/>
-              <a:t>8/3/2022</a:t>
+              <a:t>8/4/2022</a:t>
             </a:fld>
             <a:endParaRPr lang="en-US"/>
           </a:p>
@@ -655,7 +655,7 @@
     </p:spTree>
     <p:extLst>
       <p:ext uri="{BB962C8B-B14F-4D97-AF65-F5344CB8AC3E}">
-        <p14:creationId xmlns:p14="http://schemas.microsoft.com/office/powerpoint/2010/main" val="3213453477"/>
+        <p14:creationId xmlns:p14="http://schemas.microsoft.com/office/powerpoint/2010/main" val="3590882022"/>
       </p:ext>
     </p:extLst>
   </p:cSld>
@@ -774,7 +774,7 @@
           <a:p>
             <a:fld id="{A7E2B480-DDEB-45A6-BEAE-41996D0421DE}" type="datetimeFigureOut">
               <a:rPr lang="en-US" smtClean="0"/>
-              <a:t>8/3/2022</a:t>
+              <a:t>8/4/2022</a:t>
             </a:fld>
             <a:endParaRPr lang="en-US"/>
           </a:p>
@@ -825,7 +825,7 @@
     </p:spTree>
     <p:extLst>
       <p:ext uri="{BB962C8B-B14F-4D97-AF65-F5344CB8AC3E}">
-        <p14:creationId xmlns:p14="http://schemas.microsoft.com/office/powerpoint/2010/main" val="3382176798"/>
+        <p14:creationId xmlns:p14="http://schemas.microsoft.com/office/powerpoint/2010/main" val="587617992"/>
       </p:ext>
     </p:extLst>
   </p:cSld>
@@ -864,15 +864,15 @@
         </p:nvSpPr>
         <p:spPr>
           <a:xfrm>
-            <a:off x="77986" y="284957"/>
-            <a:ext cx="985838" cy="475456"/>
+            <a:off x="88384" y="322951"/>
+            <a:ext cx="1117283" cy="538850"/>
           </a:xfrm>
         </p:spPr>
         <p:txBody>
           <a:bodyPr anchor="b"/>
           <a:lstStyle>
             <a:lvl1pPr>
-              <a:defRPr sz="750"/>
+              <a:defRPr sz="850"/>
             </a:lvl1pPr>
           </a:lstStyle>
           <a:p>
@@ -896,8 +896,8 @@
         </p:nvSpPr>
         <p:spPr>
           <a:xfrm>
-            <a:off x="77986" y="764911"/>
-            <a:ext cx="985838" cy="250031"/>
+            <a:off x="88384" y="866899"/>
+            <a:ext cx="1117283" cy="283369"/>
           </a:xfrm>
         </p:spPr>
         <p:txBody>
@@ -905,15 +905,15 @@
           <a:lstStyle>
             <a:lvl1pPr marL="0" indent="0">
               <a:buNone/>
-              <a:defRPr sz="300">
+              <a:defRPr sz="340">
                 <a:solidFill>
                   <a:schemeClr val="tx1"/>
                 </a:solidFill>
               </a:defRPr>
             </a:lvl1pPr>
-            <a:lvl2pPr marL="57150" indent="0">
-              <a:buNone/>
-              <a:defRPr sz="250">
+            <a:lvl2pPr marL="64785" indent="0">
+              <a:buNone/>
+              <a:defRPr sz="283">
                 <a:solidFill>
                   <a:schemeClr val="tx1">
                     <a:tint val="75000"/>
@@ -921,9 +921,9 @@
                 </a:solidFill>
               </a:defRPr>
             </a:lvl2pPr>
-            <a:lvl3pPr marL="114300" indent="0">
-              <a:buNone/>
-              <a:defRPr sz="225">
+            <a:lvl3pPr marL="129570" indent="0">
+              <a:buNone/>
+              <a:defRPr sz="255">
                 <a:solidFill>
                   <a:schemeClr val="tx1">
                     <a:tint val="75000"/>
@@ -931,9 +931,9 @@
                 </a:solidFill>
               </a:defRPr>
             </a:lvl3pPr>
-            <a:lvl4pPr marL="171450" indent="0">
-              <a:buNone/>
-              <a:defRPr sz="200">
+            <a:lvl4pPr marL="194356" indent="0">
+              <a:buNone/>
+              <a:defRPr sz="227">
                 <a:solidFill>
                   <a:schemeClr val="tx1">
                     <a:tint val="75000"/>
@@ -941,9 +941,9 @@
                 </a:solidFill>
               </a:defRPr>
             </a:lvl4pPr>
-            <a:lvl5pPr marL="228600" indent="0">
-              <a:buNone/>
-              <a:defRPr sz="200">
+            <a:lvl5pPr marL="259141" indent="0">
+              <a:buNone/>
+              <a:defRPr sz="227">
                 <a:solidFill>
                   <a:schemeClr val="tx1">
                     <a:tint val="75000"/>
@@ -951,9 +951,9 @@
                 </a:solidFill>
               </a:defRPr>
             </a:lvl5pPr>
-            <a:lvl6pPr marL="285750" indent="0">
-              <a:buNone/>
-              <a:defRPr sz="200">
+            <a:lvl6pPr marL="323926" indent="0">
+              <a:buNone/>
+              <a:defRPr sz="227">
                 <a:solidFill>
                   <a:schemeClr val="tx1">
                     <a:tint val="75000"/>
@@ -961,9 +961,9 @@
                 </a:solidFill>
               </a:defRPr>
             </a:lvl6pPr>
-            <a:lvl7pPr marL="342900" indent="0">
-              <a:buNone/>
-              <a:defRPr sz="200">
+            <a:lvl7pPr marL="388711" indent="0">
+              <a:buNone/>
+              <a:defRPr sz="227">
                 <a:solidFill>
                   <a:schemeClr val="tx1">
                     <a:tint val="75000"/>
@@ -971,9 +971,9 @@
                 </a:solidFill>
               </a:defRPr>
             </a:lvl7pPr>
-            <a:lvl8pPr marL="400050" indent="0">
-              <a:buNone/>
-              <a:defRPr sz="200">
+            <a:lvl8pPr marL="453497" indent="0">
+              <a:buNone/>
+              <a:defRPr sz="227">
                 <a:solidFill>
                   <a:schemeClr val="tx1">
                     <a:tint val="75000"/>
@@ -981,9 +981,9 @@
                 </a:solidFill>
               </a:defRPr>
             </a:lvl8pPr>
-            <a:lvl9pPr marL="457200" indent="0">
-              <a:buNone/>
-              <a:defRPr sz="200">
+            <a:lvl9pPr marL="518282" indent="0">
+              <a:buNone/>
+              <a:defRPr sz="227">
                 <a:solidFill>
                   <a:schemeClr val="tx1">
                     <a:tint val="75000"/>
@@ -1018,7 +1018,7 @@
           <a:p>
             <a:fld id="{A7E2B480-DDEB-45A6-BEAE-41996D0421DE}" type="datetimeFigureOut">
               <a:rPr lang="en-US" smtClean="0"/>
-              <a:t>8/3/2022</a:t>
+              <a:t>8/4/2022</a:t>
             </a:fld>
             <a:endParaRPr lang="en-US"/>
           </a:p>
@@ -1069,7 +1069,7 @@
     </p:spTree>
     <p:extLst>
       <p:ext uri="{BB962C8B-B14F-4D97-AF65-F5344CB8AC3E}">
-        <p14:creationId xmlns:p14="http://schemas.microsoft.com/office/powerpoint/2010/main" val="2371850526"/>
+        <p14:creationId xmlns:p14="http://schemas.microsoft.com/office/powerpoint/2010/main" val="2796942650"/>
       </p:ext>
     </p:extLst>
   </p:cSld>
@@ -1131,8 +1131,8 @@
         </p:nvSpPr>
         <p:spPr>
           <a:xfrm>
-            <a:off x="78581" y="304271"/>
-            <a:ext cx="485775" cy="725223"/>
+            <a:off x="89059" y="344840"/>
+            <a:ext cx="550545" cy="821919"/>
           </a:xfrm>
         </p:spPr>
         <p:txBody>
@@ -1188,8 +1188,8 @@
         </p:nvSpPr>
         <p:spPr>
           <a:xfrm>
-            <a:off x="578644" y="304271"/>
-            <a:ext cx="485775" cy="725223"/>
+            <a:off x="655796" y="344840"/>
+            <a:ext cx="550545" cy="821919"/>
           </a:xfrm>
         </p:spPr>
         <p:txBody>
@@ -1250,7 +1250,7 @@
           <a:p>
             <a:fld id="{A7E2B480-DDEB-45A6-BEAE-41996D0421DE}" type="datetimeFigureOut">
               <a:rPr lang="en-US" smtClean="0"/>
-              <a:t>8/3/2022</a:t>
+              <a:t>8/4/2022</a:t>
             </a:fld>
             <a:endParaRPr lang="en-US"/>
           </a:p>
@@ -1301,7 +1301,7 @@
     </p:spTree>
     <p:extLst>
       <p:ext uri="{BB962C8B-B14F-4D97-AF65-F5344CB8AC3E}">
-        <p14:creationId xmlns:p14="http://schemas.microsoft.com/office/powerpoint/2010/main" val="332811590"/>
+        <p14:creationId xmlns:p14="http://schemas.microsoft.com/office/powerpoint/2010/main" val="2904806563"/>
       </p:ext>
     </p:extLst>
   </p:cSld>
@@ -1340,8 +1340,8 @@
         </p:nvSpPr>
         <p:spPr>
           <a:xfrm>
-            <a:off x="78730" y="60855"/>
-            <a:ext cx="985838" cy="220927"/>
+            <a:off x="89227" y="68968"/>
+            <a:ext cx="1117283" cy="250384"/>
           </a:xfrm>
         </p:spPr>
         <p:txBody>
@@ -1368,8 +1368,8 @@
         </p:nvSpPr>
         <p:spPr>
           <a:xfrm>
-            <a:off x="78730" y="280194"/>
-            <a:ext cx="483543" cy="137319"/>
+            <a:off x="89228" y="317553"/>
+            <a:ext cx="548015" cy="155628"/>
           </a:xfrm>
         </p:spPr>
         <p:txBody>
@@ -1377,39 +1377,39 @@
           <a:lstStyle>
             <a:lvl1pPr marL="0" indent="0">
               <a:buNone/>
-              <a:defRPr sz="300" b="1"/>
+              <a:defRPr sz="340" b="1"/>
             </a:lvl1pPr>
-            <a:lvl2pPr marL="57150" indent="0">
-              <a:buNone/>
-              <a:defRPr sz="250" b="1"/>
+            <a:lvl2pPr marL="64785" indent="0">
+              <a:buNone/>
+              <a:defRPr sz="283" b="1"/>
             </a:lvl2pPr>
-            <a:lvl3pPr marL="114300" indent="0">
-              <a:buNone/>
-              <a:defRPr sz="225" b="1"/>
+            <a:lvl3pPr marL="129570" indent="0">
+              <a:buNone/>
+              <a:defRPr sz="255" b="1"/>
             </a:lvl3pPr>
-            <a:lvl4pPr marL="171450" indent="0">
-              <a:buNone/>
-              <a:defRPr sz="200" b="1"/>
+            <a:lvl4pPr marL="194356" indent="0">
+              <a:buNone/>
+              <a:defRPr sz="227" b="1"/>
             </a:lvl4pPr>
-            <a:lvl5pPr marL="228600" indent="0">
-              <a:buNone/>
-              <a:defRPr sz="200" b="1"/>
+            <a:lvl5pPr marL="259141" indent="0">
+              <a:buNone/>
+              <a:defRPr sz="227" b="1"/>
             </a:lvl5pPr>
-            <a:lvl6pPr marL="285750" indent="0">
-              <a:buNone/>
-              <a:defRPr sz="200" b="1"/>
+            <a:lvl6pPr marL="323926" indent="0">
+              <a:buNone/>
+              <a:defRPr sz="227" b="1"/>
             </a:lvl6pPr>
-            <a:lvl7pPr marL="342900" indent="0">
-              <a:buNone/>
-              <a:defRPr sz="200" b="1"/>
+            <a:lvl7pPr marL="388711" indent="0">
+              <a:buNone/>
+              <a:defRPr sz="227" b="1"/>
             </a:lvl7pPr>
-            <a:lvl8pPr marL="400050" indent="0">
-              <a:buNone/>
-              <a:defRPr sz="200" b="1"/>
+            <a:lvl8pPr marL="453497" indent="0">
+              <a:buNone/>
+              <a:defRPr sz="227" b="1"/>
             </a:lvl8pPr>
-            <a:lvl9pPr marL="457200" indent="0">
-              <a:buNone/>
-              <a:defRPr sz="200" b="1"/>
+            <a:lvl9pPr marL="518282" indent="0">
+              <a:buNone/>
+              <a:defRPr sz="227" b="1"/>
             </a:lvl9pPr>
           </a:lstStyle>
           <a:p>
@@ -1433,8 +1433,8 @@
         </p:nvSpPr>
         <p:spPr>
           <a:xfrm>
-            <a:off x="78730" y="417513"/>
-            <a:ext cx="483543" cy="614098"/>
+            <a:off x="89228" y="473181"/>
+            <a:ext cx="548015" cy="695978"/>
           </a:xfrm>
         </p:spPr>
         <p:txBody>
@@ -1490,8 +1490,8 @@
         </p:nvSpPr>
         <p:spPr>
           <a:xfrm>
-            <a:off x="578644" y="280194"/>
-            <a:ext cx="485924" cy="137319"/>
+            <a:off x="655796" y="317553"/>
+            <a:ext cx="550714" cy="155628"/>
           </a:xfrm>
         </p:spPr>
         <p:txBody>
@@ -1499,39 +1499,39 @@
           <a:lstStyle>
             <a:lvl1pPr marL="0" indent="0">
               <a:buNone/>
-              <a:defRPr sz="300" b="1"/>
+              <a:defRPr sz="340" b="1"/>
             </a:lvl1pPr>
-            <a:lvl2pPr marL="57150" indent="0">
-              <a:buNone/>
-              <a:defRPr sz="250" b="1"/>
+            <a:lvl2pPr marL="64785" indent="0">
+              <a:buNone/>
+              <a:defRPr sz="283" b="1"/>
             </a:lvl2pPr>
-            <a:lvl3pPr marL="114300" indent="0">
-              <a:buNone/>
-              <a:defRPr sz="225" b="1"/>
+            <a:lvl3pPr marL="129570" indent="0">
+              <a:buNone/>
+              <a:defRPr sz="255" b="1"/>
             </a:lvl3pPr>
-            <a:lvl4pPr marL="171450" indent="0">
-              <a:buNone/>
-              <a:defRPr sz="200" b="1"/>
+            <a:lvl4pPr marL="194356" indent="0">
+              <a:buNone/>
+              <a:defRPr sz="227" b="1"/>
             </a:lvl4pPr>
-            <a:lvl5pPr marL="228600" indent="0">
-              <a:buNone/>
-              <a:defRPr sz="200" b="1"/>
+            <a:lvl5pPr marL="259141" indent="0">
+              <a:buNone/>
+              <a:defRPr sz="227" b="1"/>
             </a:lvl5pPr>
-            <a:lvl6pPr marL="285750" indent="0">
-              <a:buNone/>
-              <a:defRPr sz="200" b="1"/>
+            <a:lvl6pPr marL="323926" indent="0">
+              <a:buNone/>
+              <a:defRPr sz="227" b="1"/>
             </a:lvl6pPr>
-            <a:lvl7pPr marL="342900" indent="0">
-              <a:buNone/>
-              <a:defRPr sz="200" b="1"/>
+            <a:lvl7pPr marL="388711" indent="0">
+              <a:buNone/>
+              <a:defRPr sz="227" b="1"/>
             </a:lvl7pPr>
-            <a:lvl8pPr marL="400050" indent="0">
-              <a:buNone/>
-              <a:defRPr sz="200" b="1"/>
+            <a:lvl8pPr marL="453497" indent="0">
+              <a:buNone/>
+              <a:defRPr sz="227" b="1"/>
             </a:lvl8pPr>
-            <a:lvl9pPr marL="457200" indent="0">
-              <a:buNone/>
-              <a:defRPr sz="200" b="1"/>
+            <a:lvl9pPr marL="518282" indent="0">
+              <a:buNone/>
+              <a:defRPr sz="227" b="1"/>
             </a:lvl9pPr>
           </a:lstStyle>
           <a:p>
@@ -1555,8 +1555,8 @@
         </p:nvSpPr>
         <p:spPr>
           <a:xfrm>
-            <a:off x="578644" y="417513"/>
-            <a:ext cx="485924" cy="614098"/>
+            <a:off x="655796" y="473181"/>
+            <a:ext cx="550714" cy="695978"/>
           </a:xfrm>
         </p:spPr>
         <p:txBody>
@@ -1617,7 +1617,7 @@
           <a:p>
             <a:fld id="{A7E2B480-DDEB-45A6-BEAE-41996D0421DE}" type="datetimeFigureOut">
               <a:rPr lang="en-US" smtClean="0"/>
-              <a:t>8/3/2022</a:t>
+              <a:t>8/4/2022</a:t>
             </a:fld>
             <a:endParaRPr lang="en-US"/>
           </a:p>
@@ -1668,7 +1668,7 @@
     </p:spTree>
     <p:extLst>
       <p:ext uri="{BB962C8B-B14F-4D97-AF65-F5344CB8AC3E}">
-        <p14:creationId xmlns:p14="http://schemas.microsoft.com/office/powerpoint/2010/main" val="2316230743"/>
+        <p14:creationId xmlns:p14="http://schemas.microsoft.com/office/powerpoint/2010/main" val="28757241"/>
       </p:ext>
     </p:extLst>
   </p:cSld>
@@ -1735,7 +1735,7 @@
           <a:p>
             <a:fld id="{A7E2B480-DDEB-45A6-BEAE-41996D0421DE}" type="datetimeFigureOut">
               <a:rPr lang="en-US" smtClean="0"/>
-              <a:t>8/3/2022</a:t>
+              <a:t>8/4/2022</a:t>
             </a:fld>
             <a:endParaRPr lang="en-US"/>
           </a:p>
@@ -1786,7 +1786,7 @@
     </p:spTree>
     <p:extLst>
       <p:ext uri="{BB962C8B-B14F-4D97-AF65-F5344CB8AC3E}">
-        <p14:creationId xmlns:p14="http://schemas.microsoft.com/office/powerpoint/2010/main" val="908222332"/>
+        <p14:creationId xmlns:p14="http://schemas.microsoft.com/office/powerpoint/2010/main" val="2709934796"/>
       </p:ext>
     </p:extLst>
   </p:cSld>
@@ -1830,7 +1830,7 @@
           <a:p>
             <a:fld id="{A7E2B480-DDEB-45A6-BEAE-41996D0421DE}" type="datetimeFigureOut">
               <a:rPr lang="en-US" smtClean="0"/>
-              <a:t>8/3/2022</a:t>
+              <a:t>8/4/2022</a:t>
             </a:fld>
             <a:endParaRPr lang="en-US"/>
           </a:p>
@@ -1881,7 +1881,7 @@
     </p:spTree>
     <p:extLst>
       <p:ext uri="{BB962C8B-B14F-4D97-AF65-F5344CB8AC3E}">
-        <p14:creationId xmlns:p14="http://schemas.microsoft.com/office/powerpoint/2010/main" val="2738111116"/>
+        <p14:creationId xmlns:p14="http://schemas.microsoft.com/office/powerpoint/2010/main" val="1320661900"/>
       </p:ext>
     </p:extLst>
   </p:cSld>
@@ -1920,15 +1920,15 @@
         </p:nvSpPr>
         <p:spPr>
           <a:xfrm>
-            <a:off x="78730" y="76200"/>
-            <a:ext cx="368647" cy="266700"/>
+            <a:off x="89228" y="86360"/>
+            <a:ext cx="417800" cy="302260"/>
           </a:xfrm>
         </p:spPr>
         <p:txBody>
           <a:bodyPr anchor="b"/>
           <a:lstStyle>
             <a:lvl1pPr>
-              <a:defRPr sz="400"/>
+              <a:defRPr sz="453"/>
             </a:lvl1pPr>
           </a:lstStyle>
           <a:p>
@@ -1952,39 +1952,39 @@
         </p:nvSpPr>
         <p:spPr>
           <a:xfrm>
-            <a:off x="485924" y="164571"/>
-            <a:ext cx="578644" cy="812271"/>
+            <a:off x="550714" y="186514"/>
+            <a:ext cx="655796" cy="920574"/>
           </a:xfrm>
         </p:spPr>
         <p:txBody>
           <a:bodyPr/>
           <a:lstStyle>
             <a:lvl1pPr>
-              <a:defRPr sz="400"/>
+              <a:defRPr sz="453"/>
             </a:lvl1pPr>
             <a:lvl2pPr>
-              <a:defRPr sz="350"/>
+              <a:defRPr sz="397"/>
             </a:lvl2pPr>
             <a:lvl3pPr>
-              <a:defRPr sz="300"/>
+              <a:defRPr sz="340"/>
             </a:lvl3pPr>
             <a:lvl4pPr>
-              <a:defRPr sz="250"/>
+              <a:defRPr sz="283"/>
             </a:lvl4pPr>
             <a:lvl5pPr>
-              <a:defRPr sz="250"/>
+              <a:defRPr sz="283"/>
             </a:lvl5pPr>
             <a:lvl6pPr>
-              <a:defRPr sz="250"/>
+              <a:defRPr sz="283"/>
             </a:lvl6pPr>
             <a:lvl7pPr>
-              <a:defRPr sz="250"/>
+              <a:defRPr sz="283"/>
             </a:lvl7pPr>
             <a:lvl8pPr>
-              <a:defRPr sz="250"/>
+              <a:defRPr sz="283"/>
             </a:lvl8pPr>
             <a:lvl9pPr>
-              <a:defRPr sz="250"/>
+              <a:defRPr sz="283"/>
             </a:lvl9pPr>
           </a:lstStyle>
           <a:p>
@@ -2037,8 +2037,8 @@
         </p:nvSpPr>
         <p:spPr>
           <a:xfrm>
-            <a:off x="78730" y="342900"/>
-            <a:ext cx="368647" cy="635265"/>
+            <a:off x="89228" y="388620"/>
+            <a:ext cx="417800" cy="719967"/>
           </a:xfrm>
         </p:spPr>
         <p:txBody>
@@ -2046,39 +2046,39 @@
           <a:lstStyle>
             <a:lvl1pPr marL="0" indent="0">
               <a:buNone/>
-              <a:defRPr sz="200"/>
+              <a:defRPr sz="227"/>
             </a:lvl1pPr>
-            <a:lvl2pPr marL="57150" indent="0">
-              <a:buNone/>
-              <a:defRPr sz="175"/>
+            <a:lvl2pPr marL="64785" indent="0">
+              <a:buNone/>
+              <a:defRPr sz="198"/>
             </a:lvl2pPr>
-            <a:lvl3pPr marL="114300" indent="0">
-              <a:buNone/>
-              <a:defRPr sz="150"/>
+            <a:lvl3pPr marL="129570" indent="0">
+              <a:buNone/>
+              <a:defRPr sz="170"/>
             </a:lvl3pPr>
-            <a:lvl4pPr marL="171450" indent="0">
-              <a:buNone/>
-              <a:defRPr sz="125"/>
+            <a:lvl4pPr marL="194356" indent="0">
+              <a:buNone/>
+              <a:defRPr sz="142"/>
             </a:lvl4pPr>
-            <a:lvl5pPr marL="228600" indent="0">
-              <a:buNone/>
-              <a:defRPr sz="125"/>
+            <a:lvl5pPr marL="259141" indent="0">
+              <a:buNone/>
+              <a:defRPr sz="142"/>
             </a:lvl5pPr>
-            <a:lvl6pPr marL="285750" indent="0">
-              <a:buNone/>
-              <a:defRPr sz="125"/>
+            <a:lvl6pPr marL="323926" indent="0">
+              <a:buNone/>
+              <a:defRPr sz="142"/>
             </a:lvl6pPr>
-            <a:lvl7pPr marL="342900" indent="0">
-              <a:buNone/>
-              <a:defRPr sz="125"/>
+            <a:lvl7pPr marL="388711" indent="0">
+              <a:buNone/>
+              <a:defRPr sz="142"/>
             </a:lvl7pPr>
-            <a:lvl8pPr marL="400050" indent="0">
-              <a:buNone/>
-              <a:defRPr sz="125"/>
+            <a:lvl8pPr marL="453497" indent="0">
+              <a:buNone/>
+              <a:defRPr sz="142"/>
             </a:lvl8pPr>
-            <a:lvl9pPr marL="457200" indent="0">
-              <a:buNone/>
-              <a:defRPr sz="125"/>
+            <a:lvl9pPr marL="518282" indent="0">
+              <a:buNone/>
+              <a:defRPr sz="142"/>
             </a:lvl9pPr>
           </a:lstStyle>
           <a:p>
@@ -2107,7 +2107,7 @@
           <a:p>
             <a:fld id="{A7E2B480-DDEB-45A6-BEAE-41996D0421DE}" type="datetimeFigureOut">
               <a:rPr lang="en-US" smtClean="0"/>
-              <a:t>8/3/2022</a:t>
+              <a:t>8/4/2022</a:t>
             </a:fld>
             <a:endParaRPr lang="en-US"/>
           </a:p>
@@ -2158,7 +2158,7 @@
     </p:spTree>
     <p:extLst>
       <p:ext uri="{BB962C8B-B14F-4D97-AF65-F5344CB8AC3E}">
-        <p14:creationId xmlns:p14="http://schemas.microsoft.com/office/powerpoint/2010/main" val="3412844974"/>
+        <p14:creationId xmlns:p14="http://schemas.microsoft.com/office/powerpoint/2010/main" val="2661892069"/>
       </p:ext>
     </p:extLst>
   </p:cSld>
@@ -2197,15 +2197,15 @@
         </p:nvSpPr>
         <p:spPr>
           <a:xfrm>
-            <a:off x="78730" y="76200"/>
-            <a:ext cx="368647" cy="266700"/>
+            <a:off x="89228" y="86360"/>
+            <a:ext cx="417800" cy="302260"/>
           </a:xfrm>
         </p:spPr>
         <p:txBody>
           <a:bodyPr anchor="b"/>
           <a:lstStyle>
             <a:lvl1pPr>
-              <a:defRPr sz="400"/>
+              <a:defRPr sz="453"/>
             </a:lvl1pPr>
           </a:lstStyle>
           <a:p>
@@ -2229,8 +2229,8 @@
         </p:nvSpPr>
         <p:spPr>
           <a:xfrm>
-            <a:off x="485924" y="164571"/>
-            <a:ext cx="578644" cy="812271"/>
+            <a:off x="550714" y="186514"/>
+            <a:ext cx="655796" cy="920574"/>
           </a:xfrm>
         </p:spPr>
         <p:txBody>
@@ -2238,39 +2238,39 @@
           <a:lstStyle>
             <a:lvl1pPr marL="0" indent="0">
               <a:buNone/>
-              <a:defRPr sz="400"/>
+              <a:defRPr sz="453"/>
             </a:lvl1pPr>
-            <a:lvl2pPr marL="57150" indent="0">
-              <a:buNone/>
-              <a:defRPr sz="350"/>
+            <a:lvl2pPr marL="64785" indent="0">
+              <a:buNone/>
+              <a:defRPr sz="397"/>
             </a:lvl2pPr>
-            <a:lvl3pPr marL="114300" indent="0">
-              <a:buNone/>
-              <a:defRPr sz="300"/>
+            <a:lvl3pPr marL="129570" indent="0">
+              <a:buNone/>
+              <a:defRPr sz="340"/>
             </a:lvl3pPr>
-            <a:lvl4pPr marL="171450" indent="0">
-              <a:buNone/>
-              <a:defRPr sz="250"/>
+            <a:lvl4pPr marL="194356" indent="0">
+              <a:buNone/>
+              <a:defRPr sz="283"/>
             </a:lvl4pPr>
-            <a:lvl5pPr marL="228600" indent="0">
-              <a:buNone/>
-              <a:defRPr sz="250"/>
+            <a:lvl5pPr marL="259141" indent="0">
+              <a:buNone/>
+              <a:defRPr sz="283"/>
             </a:lvl5pPr>
-            <a:lvl6pPr marL="285750" indent="0">
-              <a:buNone/>
-              <a:defRPr sz="250"/>
+            <a:lvl6pPr marL="323926" indent="0">
+              <a:buNone/>
+              <a:defRPr sz="283"/>
             </a:lvl6pPr>
-            <a:lvl7pPr marL="342900" indent="0">
-              <a:buNone/>
-              <a:defRPr sz="250"/>
+            <a:lvl7pPr marL="388711" indent="0">
+              <a:buNone/>
+              <a:defRPr sz="283"/>
             </a:lvl7pPr>
-            <a:lvl8pPr marL="400050" indent="0">
-              <a:buNone/>
-              <a:defRPr sz="250"/>
+            <a:lvl8pPr marL="453497" indent="0">
+              <a:buNone/>
+              <a:defRPr sz="283"/>
             </a:lvl8pPr>
-            <a:lvl9pPr marL="457200" indent="0">
-              <a:buNone/>
-              <a:defRPr sz="250"/>
+            <a:lvl9pPr marL="518282" indent="0">
+              <a:buNone/>
+              <a:defRPr sz="283"/>
             </a:lvl9pPr>
           </a:lstStyle>
           <a:p>
@@ -2294,8 +2294,8 @@
         </p:nvSpPr>
         <p:spPr>
           <a:xfrm>
-            <a:off x="78730" y="342900"/>
-            <a:ext cx="368647" cy="635265"/>
+            <a:off x="89228" y="388620"/>
+            <a:ext cx="417800" cy="719967"/>
           </a:xfrm>
         </p:spPr>
         <p:txBody>
@@ -2303,39 +2303,39 @@
           <a:lstStyle>
             <a:lvl1pPr marL="0" indent="0">
               <a:buNone/>
-              <a:defRPr sz="200"/>
+              <a:defRPr sz="227"/>
             </a:lvl1pPr>
-            <a:lvl2pPr marL="57150" indent="0">
-              <a:buNone/>
-              <a:defRPr sz="175"/>
+            <a:lvl2pPr marL="64785" indent="0">
+              <a:buNone/>
+              <a:defRPr sz="198"/>
             </a:lvl2pPr>
-            <a:lvl3pPr marL="114300" indent="0">
-              <a:buNone/>
-              <a:defRPr sz="150"/>
+            <a:lvl3pPr marL="129570" indent="0">
+              <a:buNone/>
+              <a:defRPr sz="170"/>
             </a:lvl3pPr>
-            <a:lvl4pPr marL="171450" indent="0">
-              <a:buNone/>
-              <a:defRPr sz="125"/>
+            <a:lvl4pPr marL="194356" indent="0">
+              <a:buNone/>
+              <a:defRPr sz="142"/>
             </a:lvl4pPr>
-            <a:lvl5pPr marL="228600" indent="0">
-              <a:buNone/>
-              <a:defRPr sz="125"/>
+            <a:lvl5pPr marL="259141" indent="0">
+              <a:buNone/>
+              <a:defRPr sz="142"/>
             </a:lvl5pPr>
-            <a:lvl6pPr marL="285750" indent="0">
-              <a:buNone/>
-              <a:defRPr sz="125"/>
+            <a:lvl6pPr marL="323926" indent="0">
+              <a:buNone/>
+              <a:defRPr sz="142"/>
             </a:lvl6pPr>
-            <a:lvl7pPr marL="342900" indent="0">
-              <a:buNone/>
-              <a:defRPr sz="125"/>
+            <a:lvl7pPr marL="388711" indent="0">
+              <a:buNone/>
+              <a:defRPr sz="142"/>
             </a:lvl7pPr>
-            <a:lvl8pPr marL="400050" indent="0">
-              <a:buNone/>
-              <a:defRPr sz="125"/>
+            <a:lvl8pPr marL="453497" indent="0">
+              <a:buNone/>
+              <a:defRPr sz="142"/>
             </a:lvl8pPr>
-            <a:lvl9pPr marL="457200" indent="0">
-              <a:buNone/>
-              <a:defRPr sz="125"/>
+            <a:lvl9pPr marL="518282" indent="0">
+              <a:buNone/>
+              <a:defRPr sz="142"/>
             </a:lvl9pPr>
           </a:lstStyle>
           <a:p>
@@ -2364,7 +2364,7 @@
           <a:p>
             <a:fld id="{A7E2B480-DDEB-45A6-BEAE-41996D0421DE}" type="datetimeFigureOut">
               <a:rPr lang="en-US" smtClean="0"/>
-              <a:t>8/3/2022</a:t>
+              <a:t>8/4/2022</a:t>
             </a:fld>
             <a:endParaRPr lang="en-US"/>
           </a:p>
@@ -2415,7 +2415,7 @@
     </p:spTree>
     <p:extLst>
       <p:ext uri="{BB962C8B-B14F-4D97-AF65-F5344CB8AC3E}">
-        <p14:creationId xmlns:p14="http://schemas.microsoft.com/office/powerpoint/2010/main" val="208641160"/>
+        <p14:creationId xmlns:p14="http://schemas.microsoft.com/office/powerpoint/2010/main" val="1315508260"/>
       </p:ext>
     </p:extLst>
   </p:cSld>
@@ -2459,8 +2459,8 @@
         </p:nvSpPr>
         <p:spPr>
           <a:xfrm>
-            <a:off x="78581" y="60855"/>
-            <a:ext cx="985838" cy="220927"/>
+            <a:off x="89059" y="68968"/>
+            <a:ext cx="1117283" cy="250384"/>
           </a:xfrm>
           <a:prstGeom prst="rect">
             <a:avLst/>
@@ -2492,8 +2492,8 @@
         </p:nvSpPr>
         <p:spPr>
           <a:xfrm>
-            <a:off x="78581" y="304271"/>
-            <a:ext cx="985838" cy="725223"/>
+            <a:off x="89059" y="344840"/>
+            <a:ext cx="1117283" cy="821919"/>
           </a:xfrm>
           <a:prstGeom prst="rect">
             <a:avLst/>
@@ -2554,8 +2554,8 @@
         </p:nvSpPr>
         <p:spPr>
           <a:xfrm>
-            <a:off x="78581" y="1059392"/>
-            <a:ext cx="257175" cy="60854"/>
+            <a:off x="89059" y="1200644"/>
+            <a:ext cx="291465" cy="68968"/>
           </a:xfrm>
           <a:prstGeom prst="rect">
             <a:avLst/>
@@ -2565,7 +2565,7 @@
           <a:bodyPr vert="horz" lIns="91440" tIns="45720" rIns="91440" bIns="45720" rtlCol="0" anchor="ctr"/>
           <a:lstStyle>
             <a:lvl1pPr algn="l">
-              <a:defRPr sz="150">
+              <a:defRPr sz="170">
                 <a:solidFill>
                   <a:schemeClr val="tx1">
                     <a:tint val="75000"/>
@@ -2577,7 +2577,7 @@
           <a:p>
             <a:fld id="{A7E2B480-DDEB-45A6-BEAE-41996D0421DE}" type="datetimeFigureOut">
               <a:rPr lang="en-US" smtClean="0"/>
-              <a:t>8/3/2022</a:t>
+              <a:t>8/4/2022</a:t>
             </a:fld>
             <a:endParaRPr lang="en-US"/>
           </a:p>
@@ -2595,8 +2595,8 @@
         </p:nvSpPr>
         <p:spPr>
           <a:xfrm>
-            <a:off x="378619" y="1059392"/>
-            <a:ext cx="385763" cy="60854"/>
+            <a:off x="429101" y="1200644"/>
+            <a:ext cx="437198" cy="68968"/>
           </a:xfrm>
           <a:prstGeom prst="rect">
             <a:avLst/>
@@ -2606,7 +2606,7 @@
           <a:bodyPr vert="horz" lIns="91440" tIns="45720" rIns="91440" bIns="45720" rtlCol="0" anchor="ctr"/>
           <a:lstStyle>
             <a:lvl1pPr algn="ctr">
-              <a:defRPr sz="150">
+              <a:defRPr sz="170">
                 <a:solidFill>
                   <a:schemeClr val="tx1">
                     <a:tint val="75000"/>
@@ -2632,8 +2632,8 @@
         </p:nvSpPr>
         <p:spPr>
           <a:xfrm>
-            <a:off x="807244" y="1059392"/>
-            <a:ext cx="257175" cy="60854"/>
+            <a:off x="914876" y="1200644"/>
+            <a:ext cx="291465" cy="68968"/>
           </a:xfrm>
           <a:prstGeom prst="rect">
             <a:avLst/>
@@ -2643,7 +2643,7 @@
           <a:bodyPr vert="horz" lIns="91440" tIns="45720" rIns="91440" bIns="45720" rtlCol="0" anchor="ctr"/>
           <a:lstStyle>
             <a:lvl1pPr algn="r">
-              <a:defRPr sz="150">
+              <a:defRPr sz="170">
                 <a:solidFill>
                   <a:schemeClr val="tx1">
                     <a:tint val="75000"/>
@@ -2664,27 +2664,27 @@
     </p:spTree>
     <p:extLst>
       <p:ext uri="{BB962C8B-B14F-4D97-AF65-F5344CB8AC3E}">
-        <p14:creationId xmlns:p14="http://schemas.microsoft.com/office/powerpoint/2010/main" val="3284685371"/>
+        <p14:creationId xmlns:p14="http://schemas.microsoft.com/office/powerpoint/2010/main" val="2400354552"/>
       </p:ext>
     </p:extLst>
   </p:cSld>
   <p:clrMap bg1="lt1" tx1="dk1" bg2="lt2" tx2="dk2" accent1="accent1" accent2="accent2" accent3="accent3" accent4="accent4" accent5="accent5" accent6="accent6" hlink="hlink" folHlink="folHlink"/>
   <p:sldLayoutIdLst>
-    <p:sldLayoutId id="2147483661" r:id="rId1"/>
-    <p:sldLayoutId id="2147483662" r:id="rId2"/>
-    <p:sldLayoutId id="2147483663" r:id="rId3"/>
-    <p:sldLayoutId id="2147483664" r:id="rId4"/>
-    <p:sldLayoutId id="2147483665" r:id="rId5"/>
-    <p:sldLayoutId id="2147483666" r:id="rId6"/>
-    <p:sldLayoutId id="2147483667" r:id="rId7"/>
-    <p:sldLayoutId id="2147483668" r:id="rId8"/>
-    <p:sldLayoutId id="2147483669" r:id="rId9"/>
-    <p:sldLayoutId id="2147483670" r:id="rId10"/>
-    <p:sldLayoutId id="2147483671" r:id="rId11"/>
+    <p:sldLayoutId id="2147483685" r:id="rId1"/>
+    <p:sldLayoutId id="2147483686" r:id="rId2"/>
+    <p:sldLayoutId id="2147483687" r:id="rId3"/>
+    <p:sldLayoutId id="2147483688" r:id="rId4"/>
+    <p:sldLayoutId id="2147483689" r:id="rId5"/>
+    <p:sldLayoutId id="2147483690" r:id="rId6"/>
+    <p:sldLayoutId id="2147483691" r:id="rId7"/>
+    <p:sldLayoutId id="2147483692" r:id="rId8"/>
+    <p:sldLayoutId id="2147483693" r:id="rId9"/>
+    <p:sldLayoutId id="2147483694" r:id="rId10"/>
+    <p:sldLayoutId id="2147483695" r:id="rId11"/>
   </p:sldLayoutIdLst>
   <p:txStyles>
     <p:titleStyle>
-      <a:lvl1pPr algn="l" defTabSz="114300" rtl="0" eaLnBrk="1" latinLnBrk="0" hangingPunct="1">
+      <a:lvl1pPr algn="l" defTabSz="129570" rtl="0" eaLnBrk="1" latinLnBrk="0" hangingPunct="1">
         <a:lnSpc>
           <a:spcPct val="90000"/>
         </a:lnSpc>
@@ -2692,7 +2692,7 @@
           <a:spcPct val="0"/>
         </a:spcBef>
         <a:buNone/>
-        <a:defRPr sz="550" kern="1200">
+        <a:defRPr sz="623" kern="1200">
           <a:solidFill>
             <a:schemeClr val="tx1"/>
           </a:solidFill>
@@ -2703,16 +2703,16 @@
       </a:lvl1pPr>
     </p:titleStyle>
     <p:bodyStyle>
-      <a:lvl1pPr marL="28575" indent="-28575" algn="l" defTabSz="114300" rtl="0" eaLnBrk="1" latinLnBrk="0" hangingPunct="1">
+      <a:lvl1pPr marL="32393" indent="-32393" algn="l" defTabSz="129570" rtl="0" eaLnBrk="1" latinLnBrk="0" hangingPunct="1">
         <a:lnSpc>
           <a:spcPct val="90000"/>
         </a:lnSpc>
         <a:spcBef>
-          <a:spcPts val="125"/>
+          <a:spcPts val="142"/>
         </a:spcBef>
         <a:buFont typeface="Arial" panose="020B0604020202020204" pitchFamily="34" charset="0"/>
         <a:buChar char="•"/>
-        <a:defRPr sz="350" kern="1200">
+        <a:defRPr sz="397" kern="1200">
           <a:solidFill>
             <a:schemeClr val="tx1"/>
           </a:solidFill>
@@ -2721,16 +2721,16 @@
           <a:cs typeface="+mn-cs"/>
         </a:defRPr>
       </a:lvl1pPr>
-      <a:lvl2pPr marL="85725" indent="-28575" algn="l" defTabSz="114300" rtl="0" eaLnBrk="1" latinLnBrk="0" hangingPunct="1">
+      <a:lvl2pPr marL="97178" indent="-32393" algn="l" defTabSz="129570" rtl="0" eaLnBrk="1" latinLnBrk="0" hangingPunct="1">
         <a:lnSpc>
           <a:spcPct val="90000"/>
         </a:lnSpc>
         <a:spcBef>
-          <a:spcPts val="63"/>
+          <a:spcPts val="71"/>
         </a:spcBef>
         <a:buFont typeface="Arial" panose="020B0604020202020204" pitchFamily="34" charset="0"/>
         <a:buChar char="•"/>
-        <a:defRPr sz="300" kern="1200">
+        <a:defRPr sz="340" kern="1200">
           <a:solidFill>
             <a:schemeClr val="tx1"/>
           </a:solidFill>
@@ -2739,16 +2739,16 @@
           <a:cs typeface="+mn-cs"/>
         </a:defRPr>
       </a:lvl2pPr>
-      <a:lvl3pPr marL="142875" indent="-28575" algn="l" defTabSz="114300" rtl="0" eaLnBrk="1" latinLnBrk="0" hangingPunct="1">
+      <a:lvl3pPr marL="161963" indent="-32393" algn="l" defTabSz="129570" rtl="0" eaLnBrk="1" latinLnBrk="0" hangingPunct="1">
         <a:lnSpc>
           <a:spcPct val="90000"/>
         </a:lnSpc>
         <a:spcBef>
-          <a:spcPts val="63"/>
+          <a:spcPts val="71"/>
         </a:spcBef>
         <a:buFont typeface="Arial" panose="020B0604020202020204" pitchFamily="34" charset="0"/>
         <a:buChar char="•"/>
-        <a:defRPr sz="250" kern="1200">
+        <a:defRPr sz="283" kern="1200">
           <a:solidFill>
             <a:schemeClr val="tx1"/>
           </a:solidFill>
@@ -2757,16 +2757,16 @@
           <a:cs typeface="+mn-cs"/>
         </a:defRPr>
       </a:lvl3pPr>
-      <a:lvl4pPr marL="200025" indent="-28575" algn="l" defTabSz="114300" rtl="0" eaLnBrk="1" latinLnBrk="0" hangingPunct="1">
+      <a:lvl4pPr marL="226748" indent="-32393" algn="l" defTabSz="129570" rtl="0" eaLnBrk="1" latinLnBrk="0" hangingPunct="1">
         <a:lnSpc>
           <a:spcPct val="90000"/>
         </a:lnSpc>
         <a:spcBef>
-          <a:spcPts val="63"/>
+          <a:spcPts val="71"/>
         </a:spcBef>
         <a:buFont typeface="Arial" panose="020B0604020202020204" pitchFamily="34" charset="0"/>
         <a:buChar char="•"/>
-        <a:defRPr sz="225" kern="1200">
+        <a:defRPr sz="255" kern="1200">
           <a:solidFill>
             <a:schemeClr val="tx1"/>
           </a:solidFill>
@@ -2775,16 +2775,16 @@
           <a:cs typeface="+mn-cs"/>
         </a:defRPr>
       </a:lvl4pPr>
-      <a:lvl5pPr marL="257175" indent="-28575" algn="l" defTabSz="114300" rtl="0" eaLnBrk="1" latinLnBrk="0" hangingPunct="1">
+      <a:lvl5pPr marL="291534" indent="-32393" algn="l" defTabSz="129570" rtl="0" eaLnBrk="1" latinLnBrk="0" hangingPunct="1">
         <a:lnSpc>
           <a:spcPct val="90000"/>
         </a:lnSpc>
         <a:spcBef>
-          <a:spcPts val="63"/>
+          <a:spcPts val="71"/>
         </a:spcBef>
         <a:buFont typeface="Arial" panose="020B0604020202020204" pitchFamily="34" charset="0"/>
         <a:buChar char="•"/>
-        <a:defRPr sz="225" kern="1200">
+        <a:defRPr sz="255" kern="1200">
           <a:solidFill>
             <a:schemeClr val="tx1"/>
           </a:solidFill>
@@ -2793,16 +2793,16 @@
           <a:cs typeface="+mn-cs"/>
         </a:defRPr>
       </a:lvl5pPr>
-      <a:lvl6pPr marL="314325" indent="-28575" algn="l" defTabSz="114300" rtl="0" eaLnBrk="1" latinLnBrk="0" hangingPunct="1">
+      <a:lvl6pPr marL="356319" indent="-32393" algn="l" defTabSz="129570" rtl="0" eaLnBrk="1" latinLnBrk="0" hangingPunct="1">
         <a:lnSpc>
           <a:spcPct val="90000"/>
         </a:lnSpc>
         <a:spcBef>
-          <a:spcPts val="63"/>
+          <a:spcPts val="71"/>
         </a:spcBef>
         <a:buFont typeface="Arial" panose="020B0604020202020204" pitchFamily="34" charset="0"/>
         <a:buChar char="•"/>
-        <a:defRPr sz="225" kern="1200">
+        <a:defRPr sz="255" kern="1200">
           <a:solidFill>
             <a:schemeClr val="tx1"/>
           </a:solidFill>
@@ -2811,16 +2811,16 @@
           <a:cs typeface="+mn-cs"/>
         </a:defRPr>
       </a:lvl6pPr>
-      <a:lvl7pPr marL="371475" indent="-28575" algn="l" defTabSz="114300" rtl="0" eaLnBrk="1" latinLnBrk="0" hangingPunct="1">
+      <a:lvl7pPr marL="421104" indent="-32393" algn="l" defTabSz="129570" rtl="0" eaLnBrk="1" latinLnBrk="0" hangingPunct="1">
         <a:lnSpc>
           <a:spcPct val="90000"/>
         </a:lnSpc>
         <a:spcBef>
-          <a:spcPts val="63"/>
+          <a:spcPts val="71"/>
         </a:spcBef>
         <a:buFont typeface="Arial" panose="020B0604020202020204" pitchFamily="34" charset="0"/>
         <a:buChar char="•"/>
-        <a:defRPr sz="225" kern="1200">
+        <a:defRPr sz="255" kern="1200">
           <a:solidFill>
             <a:schemeClr val="tx1"/>
           </a:solidFill>
@@ -2829,16 +2829,16 @@
           <a:cs typeface="+mn-cs"/>
         </a:defRPr>
       </a:lvl7pPr>
-      <a:lvl8pPr marL="428625" indent="-28575" algn="l" defTabSz="114300" rtl="0" eaLnBrk="1" latinLnBrk="0" hangingPunct="1">
+      <a:lvl8pPr marL="485889" indent="-32393" algn="l" defTabSz="129570" rtl="0" eaLnBrk="1" latinLnBrk="0" hangingPunct="1">
         <a:lnSpc>
           <a:spcPct val="90000"/>
         </a:lnSpc>
         <a:spcBef>
-          <a:spcPts val="63"/>
+          <a:spcPts val="71"/>
         </a:spcBef>
         <a:buFont typeface="Arial" panose="020B0604020202020204" pitchFamily="34" charset="0"/>
         <a:buChar char="•"/>
-        <a:defRPr sz="225" kern="1200">
+        <a:defRPr sz="255" kern="1200">
           <a:solidFill>
             <a:schemeClr val="tx1"/>
           </a:solidFill>
@@ -2847,16 +2847,16 @@
           <a:cs typeface="+mn-cs"/>
         </a:defRPr>
       </a:lvl8pPr>
-      <a:lvl9pPr marL="485775" indent="-28575" algn="l" defTabSz="114300" rtl="0" eaLnBrk="1" latinLnBrk="0" hangingPunct="1">
+      <a:lvl9pPr marL="550675" indent="-32393" algn="l" defTabSz="129570" rtl="0" eaLnBrk="1" latinLnBrk="0" hangingPunct="1">
         <a:lnSpc>
           <a:spcPct val="90000"/>
         </a:lnSpc>
         <a:spcBef>
-          <a:spcPts val="63"/>
+          <a:spcPts val="71"/>
         </a:spcBef>
         <a:buFont typeface="Arial" panose="020B0604020202020204" pitchFamily="34" charset="0"/>
         <a:buChar char="•"/>
-        <a:defRPr sz="225" kern="1200">
+        <a:defRPr sz="255" kern="1200">
           <a:solidFill>
             <a:schemeClr val="tx1"/>
           </a:solidFill>
@@ -2870,8 +2870,8 @@
       <a:defPPr>
         <a:defRPr lang="en-US"/>
       </a:defPPr>
-      <a:lvl1pPr marL="0" algn="l" defTabSz="114300" rtl="0" eaLnBrk="1" latinLnBrk="0" hangingPunct="1">
-        <a:defRPr sz="225" kern="1200">
+      <a:lvl1pPr marL="0" algn="l" defTabSz="129570" rtl="0" eaLnBrk="1" latinLnBrk="0" hangingPunct="1">
+        <a:defRPr sz="255" kern="1200">
           <a:solidFill>
             <a:schemeClr val="tx1"/>
           </a:solidFill>
@@ -2880,8 +2880,8 @@
           <a:cs typeface="+mn-cs"/>
         </a:defRPr>
       </a:lvl1pPr>
-      <a:lvl2pPr marL="57150" algn="l" defTabSz="114300" rtl="0" eaLnBrk="1" latinLnBrk="0" hangingPunct="1">
-        <a:defRPr sz="225" kern="1200">
+      <a:lvl2pPr marL="64785" algn="l" defTabSz="129570" rtl="0" eaLnBrk="1" latinLnBrk="0" hangingPunct="1">
+        <a:defRPr sz="255" kern="1200">
           <a:solidFill>
             <a:schemeClr val="tx1"/>
           </a:solidFill>
@@ -2890,8 +2890,8 @@
           <a:cs typeface="+mn-cs"/>
         </a:defRPr>
       </a:lvl2pPr>
-      <a:lvl3pPr marL="114300" algn="l" defTabSz="114300" rtl="0" eaLnBrk="1" latinLnBrk="0" hangingPunct="1">
-        <a:defRPr sz="225" kern="1200">
+      <a:lvl3pPr marL="129570" algn="l" defTabSz="129570" rtl="0" eaLnBrk="1" latinLnBrk="0" hangingPunct="1">
+        <a:defRPr sz="255" kern="1200">
           <a:solidFill>
             <a:schemeClr val="tx1"/>
           </a:solidFill>
@@ -2900,8 +2900,8 @@
           <a:cs typeface="+mn-cs"/>
         </a:defRPr>
       </a:lvl3pPr>
-      <a:lvl4pPr marL="171450" algn="l" defTabSz="114300" rtl="0" eaLnBrk="1" latinLnBrk="0" hangingPunct="1">
-        <a:defRPr sz="225" kern="1200">
+      <a:lvl4pPr marL="194356" algn="l" defTabSz="129570" rtl="0" eaLnBrk="1" latinLnBrk="0" hangingPunct="1">
+        <a:defRPr sz="255" kern="1200">
           <a:solidFill>
             <a:schemeClr val="tx1"/>
           </a:solidFill>
@@ -2910,8 +2910,8 @@
           <a:cs typeface="+mn-cs"/>
         </a:defRPr>
       </a:lvl4pPr>
-      <a:lvl5pPr marL="228600" algn="l" defTabSz="114300" rtl="0" eaLnBrk="1" latinLnBrk="0" hangingPunct="1">
-        <a:defRPr sz="225" kern="1200">
+      <a:lvl5pPr marL="259141" algn="l" defTabSz="129570" rtl="0" eaLnBrk="1" latinLnBrk="0" hangingPunct="1">
+        <a:defRPr sz="255" kern="1200">
           <a:solidFill>
             <a:schemeClr val="tx1"/>
           </a:solidFill>
@@ -2920,8 +2920,8 @@
           <a:cs typeface="+mn-cs"/>
         </a:defRPr>
       </a:lvl5pPr>
-      <a:lvl6pPr marL="285750" algn="l" defTabSz="114300" rtl="0" eaLnBrk="1" latinLnBrk="0" hangingPunct="1">
-        <a:defRPr sz="225" kern="1200">
+      <a:lvl6pPr marL="323926" algn="l" defTabSz="129570" rtl="0" eaLnBrk="1" latinLnBrk="0" hangingPunct="1">
+        <a:defRPr sz="255" kern="1200">
           <a:solidFill>
             <a:schemeClr val="tx1"/>
           </a:solidFill>
@@ -2930,8 +2930,8 @@
           <a:cs typeface="+mn-cs"/>
         </a:defRPr>
       </a:lvl6pPr>
-      <a:lvl7pPr marL="342900" algn="l" defTabSz="114300" rtl="0" eaLnBrk="1" latinLnBrk="0" hangingPunct="1">
-        <a:defRPr sz="225" kern="1200">
+      <a:lvl7pPr marL="388711" algn="l" defTabSz="129570" rtl="0" eaLnBrk="1" latinLnBrk="0" hangingPunct="1">
+        <a:defRPr sz="255" kern="1200">
           <a:solidFill>
             <a:schemeClr val="tx1"/>
           </a:solidFill>
@@ -2940,8 +2940,8 @@
           <a:cs typeface="+mn-cs"/>
         </a:defRPr>
       </a:lvl7pPr>
-      <a:lvl8pPr marL="400050" algn="l" defTabSz="114300" rtl="0" eaLnBrk="1" latinLnBrk="0" hangingPunct="1">
-        <a:defRPr sz="225" kern="1200">
+      <a:lvl8pPr marL="453497" algn="l" defTabSz="129570" rtl="0" eaLnBrk="1" latinLnBrk="0" hangingPunct="1">
+        <a:defRPr sz="255" kern="1200">
           <a:solidFill>
             <a:schemeClr val="tx1"/>
           </a:solidFill>
@@ -2950,8 +2950,8 @@
           <a:cs typeface="+mn-cs"/>
         </a:defRPr>
       </a:lvl8pPr>
-      <a:lvl9pPr marL="457200" algn="l" defTabSz="114300" rtl="0" eaLnBrk="1" latinLnBrk="0" hangingPunct="1">
-        <a:defRPr sz="225" kern="1200">
+      <a:lvl9pPr marL="518282" algn="l" defTabSz="129570" rtl="0" eaLnBrk="1" latinLnBrk="0" hangingPunct="1">
+        <a:defRPr sz="255" kern="1200">
           <a:solidFill>
             <a:schemeClr val="tx1"/>
           </a:solidFill>
@@ -2984,10 +2984,10 @@
       </p:grpSpPr>
       <p:grpSp>
         <p:nvGrpSpPr>
-          <p:cNvPr id="8" name="Group 7">
+          <p:cNvPr id="9" name="Group 8">
             <a:extLst>
               <a:ext uri="{FF2B5EF4-FFF2-40B4-BE49-F238E27FC236}">
-                <a16:creationId xmlns:a16="http://schemas.microsoft.com/office/drawing/2014/main" id="{C633184F-D652-36BF-FF84-F16D91914106}"/>
+                <a16:creationId xmlns:a16="http://schemas.microsoft.com/office/drawing/2014/main" id="{E949DA15-9EFA-23DC-8332-EDE05575A828}"/>
               </a:ext>
             </a:extLst>
           </p:cNvPr>
@@ -2997,11 +2997,65 @@
         <p:grpSpPr>
           <a:xfrm>
             <a:off x="0" y="0"/>
-            <a:ext cx="1143000" cy="1143000"/>
+            <a:ext cx="1295400" cy="1295400"/>
             <a:chOff x="0" y="0"/>
-            <a:chExt cx="1143000" cy="1143000"/>
+            <a:chExt cx="1295400" cy="1295400"/>
           </a:xfrm>
         </p:grpSpPr>
+        <p:sp>
+          <p:nvSpPr>
+            <p:cNvPr id="4" name="Rectangle: Rounded Corners 3">
+              <a:extLst>
+                <a:ext uri="{FF2B5EF4-FFF2-40B4-BE49-F238E27FC236}">
+                  <a16:creationId xmlns:a16="http://schemas.microsoft.com/office/drawing/2014/main" id="{5A8F2A46-367F-7429-ABBF-E50DCF5959AC}"/>
+                </a:ext>
+              </a:extLst>
+            </p:cNvPr>
+            <p:cNvSpPr/>
+            <p:nvPr/>
+          </p:nvSpPr>
+          <p:spPr>
+            <a:xfrm>
+              <a:off x="0" y="0"/>
+              <a:ext cx="1295400" cy="1295400"/>
+            </a:xfrm>
+            <a:prstGeom prst="roundRect">
+              <a:avLst/>
+            </a:prstGeom>
+            <a:solidFill>
+              <a:schemeClr val="bg1">
+                <a:lumMod val="85000"/>
+              </a:schemeClr>
+            </a:solidFill>
+            <a:ln>
+              <a:noFill/>
+            </a:ln>
+          </p:spPr>
+          <p:style>
+            <a:lnRef idx="2">
+              <a:schemeClr val="accent1">
+                <a:shade val="50000"/>
+              </a:schemeClr>
+            </a:lnRef>
+            <a:fillRef idx="1">
+              <a:schemeClr val="accent1"/>
+            </a:fillRef>
+            <a:effectRef idx="0">
+              <a:schemeClr val="accent1"/>
+            </a:effectRef>
+            <a:fontRef idx="minor">
+              <a:schemeClr val="lt1"/>
+            </a:fontRef>
+          </p:style>
+          <p:txBody>
+            <a:bodyPr rtlCol="0" anchor="ctr"/>
+            <a:lstStyle/>
+            <a:p>
+              <a:pPr algn="ctr"/>
+              <a:endParaRPr lang="en-US" dirty="0"/>
+            </a:p>
+          </p:txBody>
+        </p:sp>
         <p:sp>
           <p:nvSpPr>
             <p:cNvPr id="2" name="Rectangle: Rounded Corners 1">
@@ -3016,7 +3070,7 @@
           </p:nvSpPr>
           <p:spPr>
             <a:xfrm>
-              <a:off x="0" y="0"/>
+              <a:off x="76200" y="76200"/>
               <a:ext cx="1143000" cy="1143000"/>
             </a:xfrm>
             <a:prstGeom prst="roundRect">
@@ -3024,7 +3078,7 @@
                 <a:gd name="adj" fmla="val 14167"/>
               </a:avLst>
             </a:prstGeom>
-            <a:gradFill flip="none" rotWithShape="0">
+            <a:gradFill flip="none" rotWithShape="1">
               <a:gsLst>
                 <a:gs pos="0">
                   <a:srgbClr val="FFD700">
@@ -3044,7 +3098,7 @@
                   </a:schemeClr>
                 </a:gs>
               </a:gsLst>
-              <a:path path="circle">
+              <a:path path="rect">
                 <a:fillToRect l="50000" t="50000" r="50000" b="50000"/>
               </a:path>
               <a:tileRect/>
@@ -3092,7 +3146,7 @@
           </p:nvSpPr>
           <p:spPr>
             <a:xfrm>
-              <a:off x="66675" y="68580"/>
+              <a:off x="142875" y="144780"/>
               <a:ext cx="464820" cy="461010"/>
             </a:xfrm>
             <a:prstGeom prst="roundRect">
@@ -3148,7 +3202,7 @@
           </p:nvSpPr>
           <p:spPr>
             <a:xfrm>
-              <a:off x="66675" y="605790"/>
+              <a:off x="142875" y="681990"/>
               <a:ext cx="464820" cy="461010"/>
             </a:xfrm>
             <a:prstGeom prst="roundRect">
@@ -3204,7 +3258,7 @@
           </p:nvSpPr>
           <p:spPr>
             <a:xfrm>
-              <a:off x="611507" y="68580"/>
+              <a:off x="687707" y="144780"/>
               <a:ext cx="464820" cy="461010"/>
             </a:xfrm>
             <a:prstGeom prst="roundRect">
@@ -3260,7 +3314,7 @@
           </p:nvSpPr>
           <p:spPr>
             <a:xfrm>
-              <a:off x="611507" y="605790"/>
+              <a:off x="687707" y="681990"/>
               <a:ext cx="464820" cy="461010"/>
             </a:xfrm>
             <a:prstGeom prst="roundRect">

--- a/ui_design.pptx
+++ b/ui_design.pptx
@@ -254,7 +254,7 @@
           <a:p>
             <a:fld id="{A7E2B480-DDEB-45A6-BEAE-41996D0421DE}" type="datetimeFigureOut">
               <a:rPr lang="en-US" smtClean="0"/>
-              <a:t>8/4/2022</a:t>
+              <a:t>8/14/2022</a:t>
             </a:fld>
             <a:endParaRPr lang="en-US"/>
           </a:p>
@@ -424,7 +424,7 @@
           <a:p>
             <a:fld id="{A7E2B480-DDEB-45A6-BEAE-41996D0421DE}" type="datetimeFigureOut">
               <a:rPr lang="en-US" smtClean="0"/>
-              <a:t>8/4/2022</a:t>
+              <a:t>8/14/2022</a:t>
             </a:fld>
             <a:endParaRPr lang="en-US"/>
           </a:p>
@@ -604,7 +604,7 @@
           <a:p>
             <a:fld id="{A7E2B480-DDEB-45A6-BEAE-41996D0421DE}" type="datetimeFigureOut">
               <a:rPr lang="en-US" smtClean="0"/>
-              <a:t>8/4/2022</a:t>
+              <a:t>8/14/2022</a:t>
             </a:fld>
             <a:endParaRPr lang="en-US"/>
           </a:p>
@@ -774,7 +774,7 @@
           <a:p>
             <a:fld id="{A7E2B480-DDEB-45A6-BEAE-41996D0421DE}" type="datetimeFigureOut">
               <a:rPr lang="en-US" smtClean="0"/>
-              <a:t>8/4/2022</a:t>
+              <a:t>8/14/2022</a:t>
             </a:fld>
             <a:endParaRPr lang="en-US"/>
           </a:p>
@@ -1018,7 +1018,7 @@
           <a:p>
             <a:fld id="{A7E2B480-DDEB-45A6-BEAE-41996D0421DE}" type="datetimeFigureOut">
               <a:rPr lang="en-US" smtClean="0"/>
-              <a:t>8/4/2022</a:t>
+              <a:t>8/14/2022</a:t>
             </a:fld>
             <a:endParaRPr lang="en-US"/>
           </a:p>
@@ -1250,7 +1250,7 @@
           <a:p>
             <a:fld id="{A7E2B480-DDEB-45A6-BEAE-41996D0421DE}" type="datetimeFigureOut">
               <a:rPr lang="en-US" smtClean="0"/>
-              <a:t>8/4/2022</a:t>
+              <a:t>8/14/2022</a:t>
             </a:fld>
             <a:endParaRPr lang="en-US"/>
           </a:p>
@@ -1617,7 +1617,7 @@
           <a:p>
             <a:fld id="{A7E2B480-DDEB-45A6-BEAE-41996D0421DE}" type="datetimeFigureOut">
               <a:rPr lang="en-US" smtClean="0"/>
-              <a:t>8/4/2022</a:t>
+              <a:t>8/14/2022</a:t>
             </a:fld>
             <a:endParaRPr lang="en-US"/>
           </a:p>
@@ -1735,7 +1735,7 @@
           <a:p>
             <a:fld id="{A7E2B480-DDEB-45A6-BEAE-41996D0421DE}" type="datetimeFigureOut">
               <a:rPr lang="en-US" smtClean="0"/>
-              <a:t>8/4/2022</a:t>
+              <a:t>8/14/2022</a:t>
             </a:fld>
             <a:endParaRPr lang="en-US"/>
           </a:p>
@@ -1830,7 +1830,7 @@
           <a:p>
             <a:fld id="{A7E2B480-DDEB-45A6-BEAE-41996D0421DE}" type="datetimeFigureOut">
               <a:rPr lang="en-US" smtClean="0"/>
-              <a:t>8/4/2022</a:t>
+              <a:t>8/14/2022</a:t>
             </a:fld>
             <a:endParaRPr lang="en-US"/>
           </a:p>
@@ -2107,7 +2107,7 @@
           <a:p>
             <a:fld id="{A7E2B480-DDEB-45A6-BEAE-41996D0421DE}" type="datetimeFigureOut">
               <a:rPr lang="en-US" smtClean="0"/>
-              <a:t>8/4/2022</a:t>
+              <a:t>8/14/2022</a:t>
             </a:fld>
             <a:endParaRPr lang="en-US"/>
           </a:p>
@@ -2364,7 +2364,7 @@
           <a:p>
             <a:fld id="{A7E2B480-DDEB-45A6-BEAE-41996D0421DE}" type="datetimeFigureOut">
               <a:rPr lang="en-US" smtClean="0"/>
-              <a:t>8/4/2022</a:t>
+              <a:t>8/14/2022</a:t>
             </a:fld>
             <a:endParaRPr lang="en-US"/>
           </a:p>
@@ -2577,7 +2577,7 @@
           <a:p>
             <a:fld id="{A7E2B480-DDEB-45A6-BEAE-41996D0421DE}" type="datetimeFigureOut">
               <a:rPr lang="en-US" smtClean="0"/>
-              <a:t>8/4/2022</a:t>
+              <a:t>8/14/2022</a:t>
             </a:fld>
             <a:endParaRPr lang="en-US"/>
           </a:p>
@@ -3023,8 +3023,9 @@
               <a:avLst/>
             </a:prstGeom>
             <a:solidFill>
-              <a:schemeClr val="bg1">
-                <a:lumMod val="85000"/>
+              <a:schemeClr val="tx2">
+                <a:lumMod val="50000"/>
+                <a:alpha val="50000"/>
               </a:schemeClr>
             </a:solidFill>
             <a:ln>
